--- a/signup_flow.pptx
+++ b/signup_flow.pptx
@@ -289,7 +289,7 @@
           <a:p>
             <a:fld id="{1C238FEC-F4BD-400E-9D53-556C30FB9A74}" type="datetimeFigureOut">
               <a:rPr lang="en-US" smtClean="0"/>
-              <a:t>6/8/2018</a:t>
+              <a:t>6/11/2018</a:t>
             </a:fld>
             <a:endParaRPr lang="en-US"/>
           </a:p>
@@ -459,7 +459,7 @@
           <a:p>
             <a:fld id="{1C238FEC-F4BD-400E-9D53-556C30FB9A74}" type="datetimeFigureOut">
               <a:rPr lang="en-US" smtClean="0"/>
-              <a:t>6/8/2018</a:t>
+              <a:t>6/11/2018</a:t>
             </a:fld>
             <a:endParaRPr lang="en-US"/>
           </a:p>
@@ -639,7 +639,7 @@
           <a:p>
             <a:fld id="{1C238FEC-F4BD-400E-9D53-556C30FB9A74}" type="datetimeFigureOut">
               <a:rPr lang="en-US" smtClean="0"/>
-              <a:t>6/8/2018</a:t>
+              <a:t>6/11/2018</a:t>
             </a:fld>
             <a:endParaRPr lang="en-US"/>
           </a:p>
@@ -809,7 +809,7 @@
           <a:p>
             <a:fld id="{1C238FEC-F4BD-400E-9D53-556C30FB9A74}" type="datetimeFigureOut">
               <a:rPr lang="en-US" smtClean="0"/>
-              <a:t>6/8/2018</a:t>
+              <a:t>6/11/2018</a:t>
             </a:fld>
             <a:endParaRPr lang="en-US"/>
           </a:p>
@@ -1055,7 +1055,7 @@
           <a:p>
             <a:fld id="{1C238FEC-F4BD-400E-9D53-556C30FB9A74}" type="datetimeFigureOut">
               <a:rPr lang="en-US" smtClean="0"/>
-              <a:t>6/8/2018</a:t>
+              <a:t>6/11/2018</a:t>
             </a:fld>
             <a:endParaRPr lang="en-US"/>
           </a:p>
@@ -1343,7 +1343,7 @@
           <a:p>
             <a:fld id="{1C238FEC-F4BD-400E-9D53-556C30FB9A74}" type="datetimeFigureOut">
               <a:rPr lang="en-US" smtClean="0"/>
-              <a:t>6/8/2018</a:t>
+              <a:t>6/11/2018</a:t>
             </a:fld>
             <a:endParaRPr lang="en-US"/>
           </a:p>
@@ -1765,7 +1765,7 @@
           <a:p>
             <a:fld id="{1C238FEC-F4BD-400E-9D53-556C30FB9A74}" type="datetimeFigureOut">
               <a:rPr lang="en-US" smtClean="0"/>
-              <a:t>6/8/2018</a:t>
+              <a:t>6/11/2018</a:t>
             </a:fld>
             <a:endParaRPr lang="en-US"/>
           </a:p>
@@ -1883,7 +1883,7 @@
           <a:p>
             <a:fld id="{1C238FEC-F4BD-400E-9D53-556C30FB9A74}" type="datetimeFigureOut">
               <a:rPr lang="en-US" smtClean="0"/>
-              <a:t>6/8/2018</a:t>
+              <a:t>6/11/2018</a:t>
             </a:fld>
             <a:endParaRPr lang="en-US"/>
           </a:p>
@@ -1978,7 +1978,7 @@
           <a:p>
             <a:fld id="{1C238FEC-F4BD-400E-9D53-556C30FB9A74}" type="datetimeFigureOut">
               <a:rPr lang="en-US" smtClean="0"/>
-              <a:t>6/8/2018</a:t>
+              <a:t>6/11/2018</a:t>
             </a:fld>
             <a:endParaRPr lang="en-US"/>
           </a:p>
@@ -2255,7 +2255,7 @@
           <a:p>
             <a:fld id="{1C238FEC-F4BD-400E-9D53-556C30FB9A74}" type="datetimeFigureOut">
               <a:rPr lang="en-US" smtClean="0"/>
-              <a:t>6/8/2018</a:t>
+              <a:t>6/11/2018</a:t>
             </a:fld>
             <a:endParaRPr lang="en-US"/>
           </a:p>
@@ -2508,7 +2508,7 @@
           <a:p>
             <a:fld id="{1C238FEC-F4BD-400E-9D53-556C30FB9A74}" type="datetimeFigureOut">
               <a:rPr lang="en-US" smtClean="0"/>
-              <a:t>6/8/2018</a:t>
+              <a:t>6/11/2018</a:t>
             </a:fld>
             <a:endParaRPr lang="en-US"/>
           </a:p>
@@ -2721,7 +2721,7 @@
           <a:p>
             <a:fld id="{1C238FEC-F4BD-400E-9D53-556C30FB9A74}" type="datetimeFigureOut">
               <a:rPr lang="en-US" smtClean="0"/>
-              <a:t>6/8/2018</a:t>
+              <a:t>6/11/2018</a:t>
             </a:fld>
             <a:endParaRPr lang="en-US"/>
           </a:p>
@@ -3098,13 +3098,13 @@
       </p:grpSpPr>
       <p:sp>
         <p:nvSpPr>
-          <p:cNvPr id="68" name="Rectangle 67"/>
+          <p:cNvPr id="65" name="Rectangle 64"/>
           <p:cNvSpPr/>
           <p:nvPr/>
         </p:nvSpPr>
         <p:spPr>
           <a:xfrm>
-            <a:off x="4992823" y="2692400"/>
+            <a:off x="1524000" y="1976966"/>
             <a:ext cx="1044520" cy="228600"/>
           </a:xfrm>
           <a:prstGeom prst="rect">
@@ -3144,7 +3144,7 @@
                   <a:schemeClr val="tx1"/>
                 </a:solidFill>
               </a:rPr>
-              <a:t>login_form.php</a:t>
+              <a:t>index.php</a:t>
             </a:r>
             <a:endParaRPr lang="en-US" sz="1000" i="1" dirty="0">
               <a:solidFill>
@@ -3156,13 +3156,13 @@
       </p:sp>
       <p:sp>
         <p:nvSpPr>
-          <p:cNvPr id="66" name="Rectangle 65"/>
+          <p:cNvPr id="68" name="Rectangle 67"/>
           <p:cNvSpPr/>
           <p:nvPr/>
         </p:nvSpPr>
         <p:spPr>
           <a:xfrm>
-            <a:off x="2308280" y="4648200"/>
+            <a:off x="4992823" y="2692400"/>
             <a:ext cx="1044520" cy="228600"/>
           </a:xfrm>
           <a:prstGeom prst="rect">
@@ -3202,7 +3202,7 @@
                   <a:schemeClr val="tx1"/>
                 </a:solidFill>
               </a:rPr>
-              <a:t>signup.php</a:t>
+              <a:t>login_form.php</a:t>
             </a:r>
             <a:endParaRPr lang="en-US" sz="1000" i="1" dirty="0">
               <a:solidFill>
@@ -3214,13 +3214,71 @@
       </p:sp>
       <p:sp>
         <p:nvSpPr>
+          <p:cNvPr id="66" name="Rectangle 65"/>
+          <p:cNvSpPr/>
+          <p:nvPr/>
+        </p:nvSpPr>
+        <p:spPr>
+          <a:xfrm>
+            <a:off x="2308280" y="4648200"/>
+            <a:ext cx="1044520" cy="228600"/>
+          </a:xfrm>
+          <a:prstGeom prst="rect">
+            <a:avLst/>
+          </a:prstGeom>
+          <a:solidFill>
+            <a:schemeClr val="bg1"/>
+          </a:solidFill>
+          <a:ln w="0">
+            <a:noFill/>
+          </a:ln>
+        </p:spPr>
+        <p:style>
+          <a:lnRef idx="2">
+            <a:schemeClr val="accent1">
+              <a:shade val="50000"/>
+            </a:schemeClr>
+          </a:lnRef>
+          <a:fillRef idx="1">
+            <a:schemeClr val="accent1"/>
+          </a:fillRef>
+          <a:effectRef idx="0">
+            <a:schemeClr val="accent1"/>
+          </a:effectRef>
+          <a:fontRef idx="minor">
+            <a:schemeClr val="lt1"/>
+          </a:fontRef>
+        </p:style>
+        <p:txBody>
+          <a:bodyPr rtlCol="0" anchor="ctr"/>
+          <a:lstStyle/>
+          <a:p>
+            <a:pPr algn="ctr"/>
+            <a:r>
+              <a:rPr lang="en-US" sz="1000" i="1" dirty="0" err="1" smtClean="0">
+                <a:solidFill>
+                  <a:schemeClr val="tx1"/>
+                </a:solidFill>
+              </a:rPr>
+              <a:t>signup.php</a:t>
+            </a:r>
+            <a:endParaRPr lang="en-US" sz="1000" i="1" dirty="0">
+              <a:solidFill>
+                <a:schemeClr val="tx1"/>
+              </a:solidFill>
+            </a:endParaRPr>
+          </a:p>
+        </p:txBody>
+      </p:sp>
+      <p:sp>
+        <p:nvSpPr>
           <p:cNvPr id="63" name="Rectangle 62"/>
           <p:cNvSpPr/>
           <p:nvPr/>
         </p:nvSpPr>
         <p:spPr>
           <a:xfrm>
-            <a:off x="4190999" y="3409950"/>
+            <a:off x="4128245" y="3409950"/>
             <a:ext cx="2209801" cy="1604433"/>
           </a:xfrm>
           <a:prstGeom prst="rect">
@@ -3610,6 +3668,9 @@
             <a:avLst/>
           </a:prstGeom>
           <a:ln>
+            <a:solidFill>
+              <a:schemeClr val="tx1"/>
+            </a:solidFill>
             <a:tailEnd type="arrow"/>
           </a:ln>
         </p:spPr>
@@ -3646,6 +3707,9 @@
             <a:avLst/>
           </a:prstGeom>
           <a:ln>
+            <a:solidFill>
+              <a:schemeClr val="tx1"/>
+            </a:solidFill>
             <a:tailEnd type="arrow"/>
           </a:ln>
         </p:spPr>
@@ -3751,6 +3815,9 @@
             <a:avLst/>
           </a:prstGeom>
           <a:ln>
+            <a:solidFill>
+              <a:schemeClr val="tx1"/>
+            </a:solidFill>
             <a:tailEnd type="arrow"/>
           </a:ln>
         </p:spPr>
@@ -3787,6 +3854,9 @@
             <a:avLst/>
           </a:prstGeom>
           <a:ln>
+            <a:solidFill>
+              <a:schemeClr val="tx1"/>
+            </a:solidFill>
             <a:tailEnd type="arrow"/>
           </a:ln>
         </p:spPr>
@@ -3954,6 +4024,9 @@
             <a:avLst/>
           </a:prstGeom>
           <a:ln>
+            <a:solidFill>
+              <a:schemeClr val="tx1"/>
+            </a:solidFill>
             <a:tailEnd type="arrow"/>
           </a:ln>
         </p:spPr>
@@ -3990,6 +4063,9 @@
             <a:avLst/>
           </a:prstGeom>
           <a:ln>
+            <a:solidFill>
+              <a:schemeClr val="tx1"/>
+            </a:solidFill>
             <a:tailEnd type="arrow"/>
           </a:ln>
         </p:spPr>
@@ -4016,7 +4092,7 @@
         </p:nvSpPr>
         <p:spPr>
           <a:xfrm>
-            <a:off x="2362200" y="4415368"/>
+            <a:off x="2402911" y="4415368"/>
             <a:ext cx="891619" cy="228600"/>
           </a:xfrm>
           <a:prstGeom prst="rect">
@@ -4158,6 +4234,9 @@
             </a:avLst>
           </a:prstGeom>
           <a:ln>
+            <a:solidFill>
+              <a:schemeClr val="tx1"/>
+            </a:solidFill>
             <a:tailEnd type="arrow"/>
           </a:ln>
         </p:spPr>
@@ -4396,6 +4475,9 @@
             <a:avLst/>
           </a:prstGeom>
           <a:ln>
+            <a:solidFill>
+              <a:schemeClr val="tx1"/>
+            </a:solidFill>
             <a:tailEnd type="arrow"/>
           </a:ln>
         </p:spPr>
@@ -4432,6 +4514,9 @@
             <a:avLst/>
           </a:prstGeom>
           <a:ln>
+            <a:solidFill>
+              <a:schemeClr val="tx1"/>
+            </a:solidFill>
             <a:tailEnd type="arrow"/>
           </a:ln>
         </p:spPr>
@@ -4468,6 +4553,9 @@
             <a:avLst/>
           </a:prstGeom>
           <a:ln>
+            <a:solidFill>
+              <a:schemeClr val="tx1"/>
+            </a:solidFill>
             <a:tailEnd type="arrow"/>
           </a:ln>
         </p:spPr>
@@ -4504,6 +4592,9 @@
             <a:avLst/>
           </a:prstGeom>
           <a:ln>
+            <a:solidFill>
+              <a:schemeClr val="tx1"/>
+            </a:solidFill>
             <a:tailEnd type="arrow"/>
           </a:ln>
         </p:spPr>
@@ -4540,6 +4631,9 @@
             <a:avLst/>
           </a:prstGeom>
           <a:ln>
+            <a:solidFill>
+              <a:schemeClr val="tx1"/>
+            </a:solidFill>
             <a:tailEnd type="arrow"/>
           </a:ln>
         </p:spPr>
@@ -4568,9 +4662,9 @@
           <p:nvPr/>
         </p:nvCxnSpPr>
         <p:spPr>
-          <a:xfrm rot="5400000">
-            <a:off x="2468186" y="4035525"/>
-            <a:ext cx="719668" cy="40019"/>
+          <a:xfrm rot="16200000" flipH="1">
+            <a:off x="2488541" y="4055188"/>
+            <a:ext cx="719668" cy="692"/>
           </a:xfrm>
           <a:prstGeom prst="bentConnector3">
             <a:avLst>
@@ -4578,6 +4672,9 @@
             </a:avLst>
           </a:prstGeom>
           <a:ln>
+            <a:solidFill>
+              <a:schemeClr val="tx1"/>
+            </a:solidFill>
             <a:tailEnd type="arrow"/>
           </a:ln>
         </p:spPr>
@@ -4607,13 +4704,16 @@
         </p:nvCxnSpPr>
         <p:spPr>
           <a:xfrm flipV="1">
-            <a:off x="3253819" y="4212167"/>
-            <a:ext cx="1021238" cy="317501"/>
+            <a:off x="3294530" y="4212167"/>
+            <a:ext cx="980527" cy="317501"/>
           </a:xfrm>
           <a:prstGeom prst="bentConnector3">
             <a:avLst/>
           </a:prstGeom>
           <a:ln>
+            <a:solidFill>
+              <a:schemeClr val="tx1"/>
+            </a:solidFill>
             <a:tailEnd type="arrow"/>
           </a:ln>
         </p:spPr>
@@ -4634,13 +4734,13 @@
       </p:cxnSp>
       <p:sp>
         <p:nvSpPr>
-          <p:cNvPr id="65" name="Rectangle 64"/>
+          <p:cNvPr id="67" name="Rectangle 66"/>
           <p:cNvSpPr/>
           <p:nvPr/>
         </p:nvSpPr>
         <p:spPr>
           <a:xfrm>
-            <a:off x="1524000" y="1976966"/>
+            <a:off x="4797785" y="5029200"/>
             <a:ext cx="1044520" cy="228600"/>
           </a:xfrm>
           <a:prstGeom prst="rect">
@@ -4680,7 +4780,7 @@
                   <a:schemeClr val="tx1"/>
                 </a:solidFill>
               </a:rPr>
-              <a:t>index.php</a:t>
+              <a:t>download.php</a:t>
             </a:r>
             <a:endParaRPr lang="en-US" sz="1000" i="1" dirty="0">
               <a:solidFill>
@@ -4692,13 +4792,13 @@
       </p:sp>
       <p:sp>
         <p:nvSpPr>
-          <p:cNvPr id="67" name="Rectangle 66"/>
+          <p:cNvPr id="69" name="Rectangle 68"/>
           <p:cNvSpPr/>
           <p:nvPr/>
         </p:nvSpPr>
         <p:spPr>
           <a:xfrm>
-            <a:off x="4797785" y="5029200"/>
+            <a:off x="6705600" y="4343400"/>
             <a:ext cx="1044520" cy="228600"/>
           </a:xfrm>
           <a:prstGeom prst="rect">
@@ -4738,7 +4838,7 @@
                   <a:schemeClr val="tx1"/>
                 </a:solidFill>
               </a:rPr>
-              <a:t>download.php</a:t>
+              <a:t>welcome.php</a:t>
             </a:r>
             <a:endParaRPr lang="en-US" sz="1000" i="1" dirty="0">
               <a:solidFill>
@@ -4750,13 +4850,13 @@
       </p:sp>
       <p:sp>
         <p:nvSpPr>
-          <p:cNvPr id="69" name="Rectangle 68"/>
+          <p:cNvPr id="70" name="Rectangle 69"/>
           <p:cNvSpPr/>
           <p:nvPr/>
         </p:nvSpPr>
         <p:spPr>
           <a:xfrm>
-            <a:off x="6705600" y="4343400"/>
+            <a:off x="7810500" y="3429000"/>
             <a:ext cx="1044520" cy="228600"/>
           </a:xfrm>
           <a:prstGeom prst="rect">
@@ -4796,7 +4896,7 @@
                   <a:schemeClr val="tx1"/>
                 </a:solidFill>
               </a:rPr>
-              <a:t>welcome.php</a:t>
+              <a:t>home.php</a:t>
             </a:r>
             <a:endParaRPr lang="en-US" sz="1000" i="1" dirty="0">
               <a:solidFill>
@@ -4808,21 +4908,19 @@
       </p:sp>
       <p:sp>
         <p:nvSpPr>
-          <p:cNvPr id="70" name="Rectangle 69"/>
+          <p:cNvPr id="73" name="Rectangle 72"/>
           <p:cNvSpPr/>
           <p:nvPr/>
         </p:nvSpPr>
         <p:spPr>
           <a:xfrm>
-            <a:off x="7810500" y="3429000"/>
-            <a:ext cx="1044520" cy="228600"/>
+            <a:off x="3353860" y="2209800"/>
+            <a:ext cx="379940" cy="152400"/>
           </a:xfrm>
           <a:prstGeom prst="rect">
             <a:avLst/>
           </a:prstGeom>
-          <a:solidFill>
-            <a:schemeClr val="bg1"/>
-          </a:solidFill>
+          <a:noFill/>
           <a:ln w="0">
             <a:noFill/>
           </a:ln>
@@ -4849,12 +4947,12 @@
           <a:p>
             <a:pPr algn="ctr"/>
             <a:r>
-              <a:rPr lang="en-US" sz="1000" i="1" dirty="0" err="1" smtClean="0">
+              <a:rPr lang="en-US" sz="1000" i="1" dirty="0" smtClean="0">
                 <a:solidFill>
                   <a:schemeClr val="tx1"/>
                 </a:solidFill>
               </a:rPr>
-              <a:t>home.php</a:t>
+              <a:t>yes</a:t>
             </a:r>
             <a:endParaRPr lang="en-US" sz="1000" i="1" dirty="0">
               <a:solidFill>
@@ -4866,21 +4964,19 @@
       </p:sp>
       <p:sp>
         <p:nvSpPr>
-          <p:cNvPr id="73" name="Rectangle 72"/>
+          <p:cNvPr id="75" name="Rectangle 74"/>
           <p:cNvSpPr/>
           <p:nvPr/>
         </p:nvSpPr>
         <p:spPr>
           <a:xfrm>
-            <a:off x="3252870" y="1905000"/>
+            <a:off x="533400" y="3200400"/>
             <a:ext cx="379940" cy="152400"/>
           </a:xfrm>
           <a:prstGeom prst="rect">
             <a:avLst/>
           </a:prstGeom>
-          <a:solidFill>
-            <a:schemeClr val="bg1"/>
-          </a:solidFill>
+          <a:noFill/>
           <a:ln w="0">
             <a:noFill/>
           </a:ln>
@@ -4912,7 +5008,7 @@
                   <a:schemeClr val="tx1"/>
                 </a:solidFill>
               </a:rPr>
-              <a:t>yes</a:t>
+              <a:t>no</a:t>
             </a:r>
             <a:endParaRPr lang="en-US" sz="1000" i="1" dirty="0">
               <a:solidFill>
@@ -4924,13 +5020,13 @@
       </p:sp>
       <p:sp>
         <p:nvSpPr>
-          <p:cNvPr id="75" name="Rectangle 74"/>
+          <p:cNvPr id="76" name="Rectangle 75"/>
           <p:cNvSpPr/>
           <p:nvPr/>
         </p:nvSpPr>
         <p:spPr>
           <a:xfrm>
-            <a:off x="533400" y="3200400"/>
+            <a:off x="517077" y="2548467"/>
             <a:ext cx="379940" cy="152400"/>
           </a:xfrm>
           <a:prstGeom prst="rect">
@@ -4968,7 +5064,7 @@
                   <a:schemeClr val="tx1"/>
                 </a:solidFill>
               </a:rPr>
-              <a:t>no</a:t>
+              <a:t>yes</a:t>
             </a:r>
             <a:endParaRPr lang="en-US" sz="1000" i="1" dirty="0">
               <a:solidFill>
@@ -4980,13 +5076,13 @@
       </p:sp>
       <p:sp>
         <p:nvSpPr>
-          <p:cNvPr id="76" name="Rectangle 75"/>
+          <p:cNvPr id="77" name="Rectangle 76"/>
           <p:cNvSpPr/>
           <p:nvPr/>
         </p:nvSpPr>
         <p:spPr>
           <a:xfrm>
-            <a:off x="517077" y="2548467"/>
+            <a:off x="2514600" y="3009901"/>
             <a:ext cx="379940" cy="152400"/>
           </a:xfrm>
           <a:prstGeom prst="rect">
@@ -5036,13 +5132,13 @@
       </p:sp>
       <p:sp>
         <p:nvSpPr>
-          <p:cNvPr id="77" name="Rectangle 76"/>
+          <p:cNvPr id="78" name="Rectangle 77"/>
           <p:cNvSpPr/>
           <p:nvPr/>
         </p:nvSpPr>
         <p:spPr>
           <a:xfrm>
-            <a:off x="2568130" y="3009901"/>
+            <a:off x="4688419" y="3581400"/>
             <a:ext cx="379940" cy="152400"/>
           </a:xfrm>
           <a:prstGeom prst="rect">
@@ -5092,69 +5188,13 @@
       </p:sp>
       <p:sp>
         <p:nvSpPr>
-          <p:cNvPr id="78" name="Rectangle 77"/>
-          <p:cNvSpPr/>
-          <p:nvPr/>
-        </p:nvSpPr>
-        <p:spPr>
-          <a:xfrm>
-            <a:off x="4688419" y="3581400"/>
-            <a:ext cx="379940" cy="152400"/>
-          </a:xfrm>
-          <a:prstGeom prst="rect">
-            <a:avLst/>
-          </a:prstGeom>
-          <a:noFill/>
-          <a:ln w="0">
-            <a:noFill/>
-          </a:ln>
-        </p:spPr>
-        <p:style>
-          <a:lnRef idx="2">
-            <a:schemeClr val="accent1">
-              <a:shade val="50000"/>
-            </a:schemeClr>
-          </a:lnRef>
-          <a:fillRef idx="1">
-            <a:schemeClr val="accent1"/>
-          </a:fillRef>
-          <a:effectRef idx="0">
-            <a:schemeClr val="accent1"/>
-          </a:effectRef>
-          <a:fontRef idx="minor">
-            <a:schemeClr val="lt1"/>
-          </a:fontRef>
-        </p:style>
-        <p:txBody>
-          <a:bodyPr rtlCol="0" anchor="ctr"/>
-          <a:lstStyle/>
-          <a:p>
-            <a:pPr algn="ctr"/>
-            <a:r>
-              <a:rPr lang="en-US" sz="1000" i="1" dirty="0" smtClean="0">
-                <a:solidFill>
-                  <a:schemeClr val="tx1"/>
-                </a:solidFill>
-              </a:rPr>
-              <a:t>yes</a:t>
-            </a:r>
-            <a:endParaRPr lang="en-US" sz="1000" i="1" dirty="0">
-              <a:solidFill>
-                <a:schemeClr val="tx1"/>
-              </a:solidFill>
-            </a:endParaRPr>
-          </a:p>
-        </p:txBody>
-      </p:sp>
-      <p:sp>
-        <p:nvSpPr>
           <p:cNvPr id="79" name="Rectangle 78"/>
           <p:cNvSpPr/>
           <p:nvPr/>
         </p:nvSpPr>
         <p:spPr>
           <a:xfrm>
-            <a:off x="2591860" y="3657600"/>
+            <a:off x="2514600" y="3657600"/>
             <a:ext cx="379940" cy="152400"/>
           </a:xfrm>
           <a:prstGeom prst="rect">
@@ -5276,6 +5316,9 @@
             <a:avLst/>
           </a:prstGeom>
           <a:ln>
+            <a:solidFill>
+              <a:schemeClr val="tx1"/>
+            </a:solidFill>
             <a:tailEnd type="arrow"/>
           </a:ln>
         </p:spPr>
@@ -5393,12 +5436,28 @@
           <a:p>
             <a:pPr algn="ctr"/>
             <a:r>
+              <a:rPr lang="en-US" dirty="0">
+                <a:solidFill>
+                  <a:schemeClr val="tx1"/>
+                </a:solidFill>
+              </a:rPr>
+              <a:t>V</a:t>
+            </a:r>
+            <a:r>
               <a:rPr lang="en-US" dirty="0" smtClean="0">
                 <a:solidFill>
                   <a:schemeClr val="tx1"/>
                 </a:solidFill>
               </a:rPr>
-              <a:t>vetted project case</a:t>
+              <a:t>etted </a:t>
+            </a:r>
+            <a:r>
+              <a:rPr lang="en-US" dirty="0" smtClean="0">
+                <a:solidFill>
+                  <a:schemeClr val="tx1"/>
+                </a:solidFill>
+              </a:rPr>
+              <a:t>project case</a:t>
             </a:r>
             <a:endParaRPr lang="en-US" dirty="0">
               <a:solidFill>
@@ -5929,7 +5988,7 @@
         </p:nvSpPr>
         <p:spPr>
           <a:xfrm>
-            <a:off x="1214967" y="3200400"/>
+            <a:off x="1214967" y="3209365"/>
             <a:ext cx="990600" cy="457200"/>
           </a:xfrm>
           <a:prstGeom prst="rect">
@@ -6010,6 +6069,9 @@
             <a:avLst/>
           </a:prstGeom>
           <a:ln>
+            <a:solidFill>
+              <a:schemeClr val="tx1"/>
+            </a:solidFill>
             <a:tailEnd type="arrow"/>
           </a:ln>
         </p:spPr>
@@ -6039,13 +6101,16 @@
         </p:nvCxnSpPr>
         <p:spPr>
           <a:xfrm rot="16200000" flipH="1">
-            <a:off x="903817" y="3117849"/>
-            <a:ext cx="245533" cy="376767"/>
+            <a:off x="899334" y="3122332"/>
+            <a:ext cx="254498" cy="376767"/>
           </a:xfrm>
           <a:prstGeom prst="bentConnector2">
             <a:avLst/>
           </a:prstGeom>
           <a:ln>
+            <a:solidFill>
+              <a:schemeClr val="tx1"/>
+            </a:solidFill>
             <a:tailEnd type="arrow"/>
           </a:ln>
         </p:spPr>
@@ -6151,6 +6216,9 @@
             <a:avLst/>
           </a:prstGeom>
           <a:ln>
+            <a:solidFill>
+              <a:schemeClr val="tx1"/>
+            </a:solidFill>
             <a:tailEnd type="arrow"/>
           </a:ln>
         </p:spPr>
@@ -6179,14 +6247,17 @@
           <p:nvPr/>
         </p:nvCxnSpPr>
         <p:spPr>
-          <a:xfrm>
+          <a:xfrm flipV="1">
             <a:off x="2205567" y="3429000"/>
-            <a:ext cx="162481" cy="12700"/>
+            <a:ext cx="162481" cy="8965"/>
           </a:xfrm>
           <a:prstGeom prst="bentConnector3">
             <a:avLst/>
           </a:prstGeom>
           <a:ln>
+            <a:solidFill>
+              <a:schemeClr val="tx1"/>
+            </a:solidFill>
             <a:tailEnd type="arrow"/>
           </a:ln>
         </p:spPr>
@@ -6354,6 +6425,9 @@
             <a:avLst/>
           </a:prstGeom>
           <a:ln>
+            <a:solidFill>
+              <a:schemeClr val="tx1"/>
+            </a:solidFill>
             <a:tailEnd type="arrow"/>
           </a:ln>
         </p:spPr>
@@ -6390,6 +6464,9 @@
             <a:avLst/>
           </a:prstGeom>
           <a:ln>
+            <a:solidFill>
+              <a:schemeClr val="tx1"/>
+            </a:solidFill>
             <a:tailEnd type="arrow"/>
           </a:ln>
         </p:spPr>
@@ -6416,7 +6493,7 @@
         </p:nvSpPr>
         <p:spPr>
           <a:xfrm>
-            <a:off x="2362200" y="4415368"/>
+            <a:off x="2398060" y="4415368"/>
             <a:ext cx="891619" cy="228600"/>
           </a:xfrm>
           <a:prstGeom prst="rect">
@@ -6489,6 +6566,9 @@
             </a:avLst>
           </a:prstGeom>
           <a:ln>
+            <a:solidFill>
+              <a:schemeClr val="tx1"/>
+            </a:solidFill>
             <a:tailEnd type="arrow"/>
           </a:ln>
         </p:spPr>
@@ -6589,8 +6669,8 @@
         </p:nvCxnSpPr>
         <p:spPr>
           <a:xfrm rot="5400000">
-            <a:off x="2468186" y="4035525"/>
-            <a:ext cx="719668" cy="40019"/>
+            <a:off x="2486116" y="4053455"/>
+            <a:ext cx="719668" cy="4159"/>
           </a:xfrm>
           <a:prstGeom prst="bentConnector3">
             <a:avLst>
@@ -6598,6 +6678,9 @@
             </a:avLst>
           </a:prstGeom>
           <a:ln>
+            <a:solidFill>
+              <a:schemeClr val="tx1"/>
+            </a:solidFill>
             <a:tailEnd type="arrow"/>
           </a:ln>
         </p:spPr>
@@ -6627,13 +6710,16 @@
         </p:nvCxnSpPr>
         <p:spPr>
           <a:xfrm flipV="1">
-            <a:off x="3253819" y="4197164"/>
-            <a:ext cx="1076962" cy="332504"/>
+            <a:off x="3289679" y="4197164"/>
+            <a:ext cx="1041102" cy="332504"/>
           </a:xfrm>
           <a:prstGeom prst="bentConnector3">
             <a:avLst/>
           </a:prstGeom>
           <a:ln>
+            <a:solidFill>
+              <a:schemeClr val="tx1"/>
+            </a:solidFill>
             <a:tailEnd type="arrow"/>
           </a:ln>
         </p:spPr>
@@ -6776,15 +6862,13 @@
         </p:nvSpPr>
         <p:spPr>
           <a:xfrm>
-            <a:off x="3252870" y="1905000"/>
+            <a:off x="3353860" y="2209800"/>
             <a:ext cx="379940" cy="152400"/>
           </a:xfrm>
           <a:prstGeom prst="rect">
             <a:avLst/>
           </a:prstGeom>
-          <a:solidFill>
-            <a:schemeClr val="bg1"/>
-          </a:solidFill>
+          <a:noFill/>
           <a:ln w="0">
             <a:noFill/>
           </a:ln>
@@ -6946,7 +7030,7 @@
         </p:nvSpPr>
         <p:spPr>
           <a:xfrm>
-            <a:off x="2568130" y="3009901"/>
+            <a:off x="2514600" y="3009901"/>
             <a:ext cx="379940" cy="152400"/>
           </a:xfrm>
           <a:prstGeom prst="rect">
@@ -7002,7 +7086,7 @@
         </p:nvSpPr>
         <p:spPr>
           <a:xfrm>
-            <a:off x="2591860" y="3657600"/>
+            <a:off x="2514600" y="3657600"/>
             <a:ext cx="379940" cy="152400"/>
           </a:xfrm>
           <a:prstGeom prst="rect">
@@ -7068,6 +7152,9 @@
             <a:avLst/>
           </a:prstGeom>
           <a:ln>
+            <a:solidFill>
+              <a:schemeClr val="tx1"/>
+            </a:solidFill>
             <a:tailEnd type="arrow"/>
           </a:ln>
         </p:spPr>
@@ -7094,7 +7181,7 @@
         </p:nvSpPr>
         <p:spPr>
           <a:xfrm>
-            <a:off x="3276600" y="2819400"/>
+            <a:off x="3353860" y="2819400"/>
             <a:ext cx="379940" cy="152400"/>
           </a:xfrm>
           <a:prstGeom prst="rect">
@@ -7150,7 +7237,7 @@
         </p:nvSpPr>
         <p:spPr>
           <a:xfrm>
-            <a:off x="6172200" y="3982416"/>
+            <a:off x="6172200" y="3935505"/>
             <a:ext cx="914400" cy="513384"/>
           </a:xfrm>
           <a:prstGeom prst="rect">
@@ -7234,14 +7321,17 @@
           <p:nvPr/>
         </p:nvCxnSpPr>
         <p:spPr>
-          <a:xfrm>
-            <a:off x="5654865" y="4197164"/>
-            <a:ext cx="517335" cy="41944"/>
+          <a:xfrm flipV="1">
+            <a:off x="5654865" y="4192197"/>
+            <a:ext cx="517335" cy="4967"/>
           </a:xfrm>
           <a:prstGeom prst="bentConnector3">
             <a:avLst/>
           </a:prstGeom>
           <a:ln>
+            <a:solidFill>
+              <a:schemeClr val="tx1"/>
+            </a:solidFill>
             <a:tailEnd type="arrow"/>
           </a:ln>
         </p:spPr>
@@ -7303,12 +7393,28 @@
           <a:p>
             <a:pPr algn="ctr"/>
             <a:r>
+              <a:rPr lang="en-US" dirty="0">
+                <a:solidFill>
+                  <a:schemeClr val="tx1"/>
+                </a:solidFill>
+              </a:rPr>
+              <a:t>N</a:t>
+            </a:r>
+            <a:r>
               <a:rPr lang="en-US" dirty="0" smtClean="0">
                 <a:solidFill>
                   <a:schemeClr val="tx1"/>
                 </a:solidFill>
               </a:rPr>
-              <a:t>non-vetted project case (no </a:t>
+              <a:t>on-vetted </a:t>
+            </a:r>
+            <a:r>
+              <a:rPr lang="en-US" dirty="0" smtClean="0">
+                <a:solidFill>
+                  <a:schemeClr val="tx1"/>
+                </a:solidFill>
+              </a:rPr>
+              <a:t>project case (no </a:t>
             </a:r>
             <a:r>
               <a:rPr lang="en-US" dirty="0" err="1" smtClean="0">
